--- a/presentations/Presentation1.pptx
+++ b/presentations/Presentation1.pptx
@@ -9,12 +9,11 @@
     <p:sldId id="257" r:id="rId3"/>
     <p:sldId id="258" r:id="rId4"/>
     <p:sldId id="259" r:id="rId5"/>
-    <p:sldId id="260" r:id="rId6"/>
-    <p:sldId id="265" r:id="rId7"/>
-    <p:sldId id="266" r:id="rId8"/>
-    <p:sldId id="261" r:id="rId9"/>
-    <p:sldId id="263" r:id="rId10"/>
-    <p:sldId id="264" r:id="rId11"/>
+    <p:sldId id="265" r:id="rId6"/>
+    <p:sldId id="266" r:id="rId7"/>
+    <p:sldId id="261" r:id="rId8"/>
+    <p:sldId id="263" r:id="rId9"/>
+    <p:sldId id="264" r:id="rId10"/>
   </p:sldIdLst>
   <p:sldSz cx="9144000" cy="6858000" type="screen4x3"/>
   <p:notesSz cx="6858000" cy="9144000"/>
@@ -313,7 +312,7 @@
           <a:p>
             <a:fld id="{8D21E65C-9A1B-A246-A95A-EE221E9A05F8}" type="datetimeFigureOut">
               <a:rPr lang="en-US" smtClean="0"/>
-              <a:t>11/11/2014</a:t>
+              <a:t>11/12/2014</a:t>
             </a:fld>
             <a:endParaRPr lang="en-US"/>
           </a:p>
@@ -483,7 +482,7 @@
           <a:p>
             <a:fld id="{8D21E65C-9A1B-A246-A95A-EE221E9A05F8}" type="datetimeFigureOut">
               <a:rPr lang="en-US" smtClean="0"/>
-              <a:t>11/11/2014</a:t>
+              <a:t>11/12/2014</a:t>
             </a:fld>
             <a:endParaRPr lang="en-US"/>
           </a:p>
@@ -663,7 +662,7 @@
           <a:p>
             <a:fld id="{8D21E65C-9A1B-A246-A95A-EE221E9A05F8}" type="datetimeFigureOut">
               <a:rPr lang="en-US" smtClean="0"/>
-              <a:t>11/11/2014</a:t>
+              <a:t>11/12/2014</a:t>
             </a:fld>
             <a:endParaRPr lang="en-US"/>
           </a:p>
@@ -833,7 +832,7 @@
           <a:p>
             <a:fld id="{8D21E65C-9A1B-A246-A95A-EE221E9A05F8}" type="datetimeFigureOut">
               <a:rPr lang="en-US" smtClean="0"/>
-              <a:t>11/11/2014</a:t>
+              <a:t>11/12/2014</a:t>
             </a:fld>
             <a:endParaRPr lang="en-US"/>
           </a:p>
@@ -1079,7 +1078,7 @@
           <a:p>
             <a:fld id="{8D21E65C-9A1B-A246-A95A-EE221E9A05F8}" type="datetimeFigureOut">
               <a:rPr lang="en-US" smtClean="0"/>
-              <a:t>11/11/2014</a:t>
+              <a:t>11/12/2014</a:t>
             </a:fld>
             <a:endParaRPr lang="en-US"/>
           </a:p>
@@ -1367,7 +1366,7 @@
           <a:p>
             <a:fld id="{8D21E65C-9A1B-A246-A95A-EE221E9A05F8}" type="datetimeFigureOut">
               <a:rPr lang="en-US" smtClean="0"/>
-              <a:t>11/11/2014</a:t>
+              <a:t>11/12/2014</a:t>
             </a:fld>
             <a:endParaRPr lang="en-US"/>
           </a:p>
@@ -1789,7 +1788,7 @@
           <a:p>
             <a:fld id="{8D21E65C-9A1B-A246-A95A-EE221E9A05F8}" type="datetimeFigureOut">
               <a:rPr lang="en-US" smtClean="0"/>
-              <a:t>11/11/2014</a:t>
+              <a:t>11/12/2014</a:t>
             </a:fld>
             <a:endParaRPr lang="en-US"/>
           </a:p>
@@ -1907,7 +1906,7 @@
           <a:p>
             <a:fld id="{8D21E65C-9A1B-A246-A95A-EE221E9A05F8}" type="datetimeFigureOut">
               <a:rPr lang="en-US" smtClean="0"/>
-              <a:t>11/11/2014</a:t>
+              <a:t>11/12/2014</a:t>
             </a:fld>
             <a:endParaRPr lang="en-US"/>
           </a:p>
@@ -2002,7 +2001,7 @@
           <a:p>
             <a:fld id="{8D21E65C-9A1B-A246-A95A-EE221E9A05F8}" type="datetimeFigureOut">
               <a:rPr lang="en-US" smtClean="0"/>
-              <a:t>11/11/2014</a:t>
+              <a:t>11/12/2014</a:t>
             </a:fld>
             <a:endParaRPr lang="en-US"/>
           </a:p>
@@ -2279,7 +2278,7 @@
           <a:p>
             <a:fld id="{8D21E65C-9A1B-A246-A95A-EE221E9A05F8}" type="datetimeFigureOut">
               <a:rPr lang="en-US" smtClean="0"/>
-              <a:t>11/11/2014</a:t>
+              <a:t>11/12/2014</a:t>
             </a:fld>
             <a:endParaRPr lang="en-US"/>
           </a:p>
@@ -2532,7 +2531,7 @@
           <a:p>
             <a:fld id="{8D21E65C-9A1B-A246-A95A-EE221E9A05F8}" type="datetimeFigureOut">
               <a:rPr lang="en-US" smtClean="0"/>
-              <a:t>11/11/2014</a:t>
+              <a:t>11/12/2014</a:t>
             </a:fld>
             <a:endParaRPr lang="en-US"/>
           </a:p>
@@ -2745,7 +2744,7 @@
           <a:p>
             <a:fld id="{8D21E65C-9A1B-A246-A95A-EE221E9A05F8}" type="datetimeFigureOut">
               <a:rPr lang="en-US" smtClean="0"/>
-              <a:t>11/11/2014</a:t>
+              <a:t>11/12/2014</a:t>
             </a:fld>
             <a:endParaRPr lang="en-US"/>
           </a:p>
@@ -3272,330 +3271,6 @@
 </p:sld>
 </file>
 
-<file path=ppt/slides/slide10.xml><?xml version="1.0" encoding="utf-8"?>
-<p:sld xmlns:a="http://schemas.openxmlformats.org/drawingml/2006/main" xmlns:r="http://schemas.openxmlformats.org/officeDocument/2006/relationships" xmlns:p="http://schemas.openxmlformats.org/presentationml/2006/main">
-  <p:cSld>
-    <p:spTree>
-      <p:nvGrpSpPr>
-        <p:cNvPr id="1" name=""/>
-        <p:cNvGrpSpPr/>
-        <p:nvPr/>
-      </p:nvGrpSpPr>
-      <p:grpSpPr>
-        <a:xfrm>
-          <a:off x="0" y="0"/>
-          <a:ext cx="0" cy="0"/>
-          <a:chOff x="0" y="0"/>
-          <a:chExt cx="0" cy="0"/>
-        </a:xfrm>
-      </p:grpSpPr>
-      <p:sp>
-        <p:nvSpPr>
-          <p:cNvPr id="2" name="Title 1"/>
-          <p:cNvSpPr>
-            <a:spLocks noGrp="1"/>
-          </p:cNvSpPr>
-          <p:nvPr>
-            <p:ph type="title"/>
-          </p:nvPr>
-        </p:nvSpPr>
-        <p:spPr/>
-        <p:txBody>
-          <a:bodyPr/>
-          <a:lstStyle/>
-          <a:p>
-            <a:r>
-              <a:rPr lang="en-US" dirty="0" smtClean="0">
-                <a:latin typeface="Cambria"/>
-                <a:cs typeface="Cambria"/>
-              </a:rPr>
-              <a:t>Expanded Features List</a:t>
-            </a:r>
-            <a:endParaRPr lang="en-US" dirty="0">
-              <a:latin typeface="Cambria"/>
-              <a:cs typeface="Cambria"/>
-            </a:endParaRPr>
-          </a:p>
-        </p:txBody>
-      </p:sp>
-      <p:pic>
-        <p:nvPicPr>
-          <p:cNvPr id="4" name="Picture 3" descr="icon.png"/>
-          <p:cNvPicPr>
-            <a:picLocks noChangeAspect="1"/>
-          </p:cNvPicPr>
-          <p:nvPr/>
-        </p:nvPicPr>
-        <p:blipFill>
-          <a:blip r:embed="rId2">
-            <a:extLst>
-              <a:ext uri="{28A0092B-C50C-407E-A947-70E740481C1C}">
-                <a14:useLocalDpi xmlns:a14="http://schemas.microsoft.com/office/drawing/2010/main" val="0"/>
-              </a:ext>
-            </a:extLst>
-          </a:blip>
-          <a:stretch>
-            <a:fillRect/>
-          </a:stretch>
-        </p:blipFill>
-        <p:spPr>
-          <a:xfrm>
-            <a:off x="1916289" y="1676399"/>
-            <a:ext cx="2317044" cy="2317044"/>
-          </a:xfrm>
-          <a:prstGeom prst="rect">
-            <a:avLst/>
-          </a:prstGeom>
-        </p:spPr>
-      </p:pic>
-      <p:pic>
-        <p:nvPicPr>
-          <p:cNvPr id="5" name="Picture 4" descr="map-7.png"/>
-          <p:cNvPicPr>
-            <a:picLocks noChangeAspect="1"/>
-          </p:cNvPicPr>
-          <p:nvPr/>
-        </p:nvPicPr>
-        <p:blipFill>
-          <a:blip r:embed="rId3">
-            <a:extLst>
-              <a:ext uri="{28A0092B-C50C-407E-A947-70E740481C1C}">
-                <a14:useLocalDpi xmlns:a14="http://schemas.microsoft.com/office/drawing/2010/main" val="0"/>
-              </a:ext>
-            </a:extLst>
-          </a:blip>
-          <a:stretch>
-            <a:fillRect/>
-          </a:stretch>
-        </p:blipFill>
-        <p:spPr>
-          <a:xfrm>
-            <a:off x="5367868" y="1859844"/>
-            <a:ext cx="1738489" cy="1738489"/>
-          </a:xfrm>
-          <a:prstGeom prst="rect">
-            <a:avLst/>
-          </a:prstGeom>
-        </p:spPr>
-      </p:pic>
-      <p:pic>
-        <p:nvPicPr>
-          <p:cNvPr id="6" name="Picture 5" descr="39915.png"/>
-          <p:cNvPicPr>
-            <a:picLocks noChangeAspect="1"/>
-          </p:cNvPicPr>
-          <p:nvPr/>
-        </p:nvPicPr>
-        <p:blipFill>
-          <a:blip r:embed="rId4">
-            <a:extLst>
-              <a:ext uri="{28A0092B-C50C-407E-A947-70E740481C1C}">
-                <a14:useLocalDpi xmlns:a14="http://schemas.microsoft.com/office/drawing/2010/main" val="0"/>
-              </a:ext>
-            </a:extLst>
-          </a:blip>
-          <a:stretch>
-            <a:fillRect/>
-          </a:stretch>
-        </p:blipFill>
-        <p:spPr>
-          <a:xfrm>
-            <a:off x="4840111" y="3759199"/>
-            <a:ext cx="2793890" cy="2793890"/>
-          </a:xfrm>
-          <a:prstGeom prst="rect">
-            <a:avLst/>
-          </a:prstGeom>
-        </p:spPr>
-      </p:pic>
-      <p:sp>
-        <p:nvSpPr>
-          <p:cNvPr id="8" name="TextBox 7"/>
-          <p:cNvSpPr txBox="1"/>
-          <p:nvPr/>
-        </p:nvSpPr>
-        <p:spPr>
-          <a:xfrm>
-            <a:off x="1986844" y="4868334"/>
-            <a:ext cx="2142934" cy="338554"/>
-          </a:xfrm>
-          <a:prstGeom prst="rect">
-            <a:avLst/>
-          </a:prstGeom>
-          <a:noFill/>
-        </p:spPr>
-        <p:txBody>
-          <a:bodyPr wrap="none" rtlCol="0">
-            <a:spAutoFit/>
-          </a:bodyPr>
-          <a:lstStyle/>
-          <a:p>
-            <a:r>
-              <a:rPr lang="en-US" sz="1600" dirty="0" smtClean="0">
-                <a:latin typeface="Arial"/>
-                <a:cs typeface="Arial"/>
-              </a:rPr>
-              <a:t>S&amp;P gains 500 points</a:t>
-            </a:r>
-            <a:endParaRPr lang="en-US" sz="1600" dirty="0">
-              <a:latin typeface="Arial"/>
-              <a:cs typeface="Arial"/>
-            </a:endParaRPr>
-          </a:p>
-        </p:txBody>
-      </p:sp>
-      <p:sp>
-        <p:nvSpPr>
-          <p:cNvPr id="9" name="Rectangle 8"/>
-          <p:cNvSpPr/>
-          <p:nvPr/>
-        </p:nvSpPr>
-        <p:spPr>
-          <a:xfrm>
-            <a:off x="1986844" y="4868334"/>
-            <a:ext cx="2246489" cy="832555"/>
-          </a:xfrm>
-          <a:prstGeom prst="rect">
-            <a:avLst/>
-          </a:prstGeom>
-          <a:noFill/>
-          <a:ln>
-            <a:solidFill>
-              <a:schemeClr val="tx1"/>
-            </a:solidFill>
-          </a:ln>
-          <a:effectLst/>
-        </p:spPr>
-        <p:style>
-          <a:lnRef idx="1">
-            <a:schemeClr val="accent1"/>
-          </a:lnRef>
-          <a:fillRef idx="3">
-            <a:schemeClr val="accent1"/>
-          </a:fillRef>
-          <a:effectRef idx="2">
-            <a:schemeClr val="accent1"/>
-          </a:effectRef>
-          <a:fontRef idx="minor">
-            <a:schemeClr val="lt1"/>
-          </a:fontRef>
-        </p:style>
-        <p:txBody>
-          <a:bodyPr rtlCol="0" anchor="ctr"/>
-          <a:lstStyle/>
-          <a:p>
-            <a:pPr algn="ctr"/>
-            <a:endParaRPr lang="en-US"/>
-          </a:p>
-        </p:txBody>
-      </p:sp>
-      <p:sp>
-        <p:nvSpPr>
-          <p:cNvPr id="10" name="Rounded Rectangle 9"/>
-          <p:cNvSpPr/>
-          <p:nvPr/>
-        </p:nvSpPr>
-        <p:spPr>
-          <a:xfrm>
-            <a:off x="2102556" y="5334000"/>
-            <a:ext cx="705555" cy="225778"/>
-          </a:xfrm>
-          <a:prstGeom prst="roundRect">
-            <a:avLst/>
-          </a:prstGeom>
-          <a:solidFill>
-            <a:srgbClr val="008000"/>
-          </a:solidFill>
-          <a:ln>
-            <a:solidFill>
-              <a:schemeClr val="tx1"/>
-            </a:solidFill>
-          </a:ln>
-          <a:effectLst/>
-        </p:spPr>
-        <p:style>
-          <a:lnRef idx="1">
-            <a:schemeClr val="accent1"/>
-          </a:lnRef>
-          <a:fillRef idx="3">
-            <a:schemeClr val="accent1"/>
-          </a:fillRef>
-          <a:effectRef idx="2">
-            <a:schemeClr val="accent1"/>
-          </a:effectRef>
-          <a:fontRef idx="minor">
-            <a:schemeClr val="lt1"/>
-          </a:fontRef>
-        </p:style>
-        <p:txBody>
-          <a:bodyPr rtlCol="0" anchor="ctr"/>
-          <a:lstStyle/>
-          <a:p>
-            <a:pPr algn="ctr"/>
-            <a:endParaRPr lang="en-US"/>
-          </a:p>
-        </p:txBody>
-      </p:sp>
-      <p:sp>
-        <p:nvSpPr>
-          <p:cNvPr id="11" name="Rounded Rectangle 10"/>
-          <p:cNvSpPr/>
-          <p:nvPr/>
-        </p:nvSpPr>
-        <p:spPr>
-          <a:xfrm>
-            <a:off x="2960511" y="5331178"/>
-            <a:ext cx="705555" cy="225778"/>
-          </a:xfrm>
-          <a:prstGeom prst="roundRect">
-            <a:avLst/>
-          </a:prstGeom>
-          <a:solidFill>
-            <a:srgbClr val="FF0000"/>
-          </a:solidFill>
-          <a:ln>
-            <a:solidFill>
-              <a:srgbClr val="000000"/>
-            </a:solidFill>
-          </a:ln>
-          <a:effectLst/>
-        </p:spPr>
-        <p:style>
-          <a:lnRef idx="1">
-            <a:schemeClr val="accent1"/>
-          </a:lnRef>
-          <a:fillRef idx="3">
-            <a:schemeClr val="accent1"/>
-          </a:fillRef>
-          <a:effectRef idx="2">
-            <a:schemeClr val="accent1"/>
-          </a:effectRef>
-          <a:fontRef idx="minor">
-            <a:schemeClr val="lt1"/>
-          </a:fontRef>
-        </p:style>
-        <p:txBody>
-          <a:bodyPr rtlCol="0" anchor="ctr"/>
-          <a:lstStyle/>
-          <a:p>
-            <a:pPr algn="ctr"/>
-            <a:endParaRPr lang="en-US"/>
-          </a:p>
-        </p:txBody>
-      </p:sp>
-    </p:spTree>
-    <p:extLst>
-      <p:ext uri="{BB962C8B-B14F-4D97-AF65-F5344CB8AC3E}">
-        <p14:creationId xmlns:p14="http://schemas.microsoft.com/office/powerpoint/2010/main" val="3980789510"/>
-      </p:ext>
-    </p:extLst>
-  </p:cSld>
-  <p:clrMapOvr>
-    <a:masterClrMapping/>
-  </p:clrMapOvr>
-</p:sld>
-</file>
-
 <file path=ppt/slides/slide2.xml><?xml version="1.0" encoding="utf-8"?>
 <p:sld xmlns:a="http://schemas.openxmlformats.org/drawingml/2006/main" xmlns:r="http://schemas.openxmlformats.org/officeDocument/2006/relationships" xmlns:p="http://schemas.openxmlformats.org/presentationml/2006/main">
   <p:cSld>
@@ -4181,65 +3856,6 @@
           <a:chExt cx="0" cy="0"/>
         </a:xfrm>
       </p:grpSpPr>
-      <p:sp>
-        <p:nvSpPr>
-          <p:cNvPr id="3" name="Content Placeholder 2"/>
-          <p:cNvSpPr>
-            <a:spLocks noGrp="1"/>
-          </p:cNvSpPr>
-          <p:nvPr>
-            <p:ph idx="1"/>
-          </p:nvPr>
-        </p:nvSpPr>
-        <p:spPr/>
-        <p:txBody>
-          <a:bodyPr/>
-          <a:lstStyle/>
-          <a:p>
-            <a:r>
-              <a:rPr lang="en-US" dirty="0"/>
-              <a:t>Describe the high-level deployment architecture, in particular any distribution, web interaction, database used, etc.</a:t>
-            </a:r>
-          </a:p>
-        </p:txBody>
-      </p:sp>
-    </p:spTree>
-    <p:extLst>
-      <p:ext uri="{BB962C8B-B14F-4D97-AF65-F5344CB8AC3E}">
-        <p14:creationId xmlns:p14="http://schemas.microsoft.com/office/powerpoint/2010/main" val="3420478717"/>
-      </p:ext>
-    </p:extLst>
-  </p:cSld>
-  <p:clrMapOvr>
-    <a:masterClrMapping/>
-  </p:clrMapOvr>
-  <p:timing>
-    <p:tnLst>
-      <p:par>
-        <p:cTn id="1" dur="indefinite" restart="never" nodeType="tmRoot"/>
-      </p:par>
-    </p:tnLst>
-  </p:timing>
-</p:sld>
-</file>
-
-<file path=ppt/slides/slide6.xml><?xml version="1.0" encoding="utf-8"?>
-<p:sld xmlns:a="http://schemas.openxmlformats.org/drawingml/2006/main" xmlns:r="http://schemas.openxmlformats.org/officeDocument/2006/relationships" xmlns:p="http://schemas.openxmlformats.org/presentationml/2006/main">
-  <p:cSld>
-    <p:spTree>
-      <p:nvGrpSpPr>
-        <p:cNvPr id="1" name=""/>
-        <p:cNvGrpSpPr/>
-        <p:nvPr/>
-      </p:nvGrpSpPr>
-      <p:grpSpPr>
-        <a:xfrm>
-          <a:off x="0" y="0"/>
-          <a:ext cx="0" cy="0"/>
-          <a:chOff x="0" y="0"/>
-          <a:chExt cx="0" cy="0"/>
-        </a:xfrm>
-      </p:grpSpPr>
       <p:pic>
         <p:nvPicPr>
           <p:cNvPr id="4" name="Picture 3"/>
@@ -4350,7 +3966,7 @@
 </p:sld>
 </file>
 
-<file path=ppt/slides/slide7.xml><?xml version="1.0" encoding="utf-8"?>
+<file path=ppt/slides/slide6.xml><?xml version="1.0" encoding="utf-8"?>
 <p:sld xmlns:a="http://schemas.openxmlformats.org/drawingml/2006/main" xmlns:r="http://schemas.openxmlformats.org/officeDocument/2006/relationships" xmlns:p="http://schemas.openxmlformats.org/presentationml/2006/main">
   <p:cSld>
     <p:spTree>
@@ -4417,7 +4033,7 @@
 </p:sld>
 </file>
 
-<file path=ppt/slides/slide8.xml><?xml version="1.0" encoding="utf-8"?>
+<file path=ppt/slides/slide7.xml><?xml version="1.0" encoding="utf-8"?>
 <p:sld xmlns:a="http://schemas.openxmlformats.org/drawingml/2006/main" xmlns:r="http://schemas.openxmlformats.org/officeDocument/2006/relationships" xmlns:p="http://schemas.openxmlformats.org/presentationml/2006/main">
   <p:cSld>
     <p:spTree>
@@ -4484,6 +4100,98 @@
 </p:sld>
 </file>
 
+<file path=ppt/slides/slide8.xml><?xml version="1.0" encoding="utf-8"?>
+<p:sld xmlns:a="http://schemas.openxmlformats.org/drawingml/2006/main" xmlns:r="http://schemas.openxmlformats.org/officeDocument/2006/relationships" xmlns:p="http://schemas.openxmlformats.org/presentationml/2006/main">
+  <p:cSld>
+    <p:spTree>
+      <p:nvGrpSpPr>
+        <p:cNvPr id="1" name=""/>
+        <p:cNvGrpSpPr/>
+        <p:nvPr/>
+      </p:nvGrpSpPr>
+      <p:grpSpPr>
+        <a:xfrm>
+          <a:off x="0" y="0"/>
+          <a:ext cx="0" cy="0"/>
+          <a:chOff x="0" y="0"/>
+          <a:chExt cx="0" cy="0"/>
+        </a:xfrm>
+      </p:grpSpPr>
+      <p:sp>
+        <p:nvSpPr>
+          <p:cNvPr id="4" name="TextBox 3"/>
+          <p:cNvSpPr txBox="1"/>
+          <p:nvPr/>
+        </p:nvSpPr>
+        <p:spPr>
+          <a:xfrm>
+            <a:off x="2921000" y="3273778"/>
+            <a:ext cx="184666" cy="369332"/>
+          </a:xfrm>
+          <a:prstGeom prst="rect">
+            <a:avLst/>
+          </a:prstGeom>
+          <a:noFill/>
+        </p:spPr>
+        <p:txBody>
+          <a:bodyPr wrap="none" rtlCol="0">
+            <a:spAutoFit/>
+          </a:bodyPr>
+          <a:lstStyle/>
+          <a:p>
+            <a:endParaRPr lang="en-US" dirty="0"/>
+          </a:p>
+        </p:txBody>
+      </p:sp>
+      <p:sp>
+        <p:nvSpPr>
+          <p:cNvPr id="5" name="TextBox 4"/>
+          <p:cNvSpPr txBox="1"/>
+          <p:nvPr/>
+        </p:nvSpPr>
+        <p:spPr>
+          <a:xfrm>
+            <a:off x="776111" y="1919111"/>
+            <a:ext cx="6924342" cy="1754327"/>
+          </a:xfrm>
+          <a:prstGeom prst="rect">
+            <a:avLst/>
+          </a:prstGeom>
+          <a:noFill/>
+        </p:spPr>
+        <p:txBody>
+          <a:bodyPr wrap="none" rtlCol="0">
+            <a:spAutoFit/>
+          </a:bodyPr>
+          <a:lstStyle/>
+          <a:p>
+            <a:r>
+              <a:rPr lang="en-US" sz="5400" dirty="0" smtClean="0"/>
+              <a:t>PROTOCOLS AND </a:t>
+            </a:r>
+          </a:p>
+          <a:p>
+            <a:r>
+              <a:rPr lang="en-US" sz="5400" dirty="0" smtClean="0"/>
+              <a:t>COMPLEX ALGORITHMS</a:t>
+            </a:r>
+            <a:endParaRPr lang="en-US" sz="5400" dirty="0"/>
+          </a:p>
+        </p:txBody>
+      </p:sp>
+    </p:spTree>
+    <p:extLst>
+      <p:ext uri="{BB962C8B-B14F-4D97-AF65-F5344CB8AC3E}">
+        <p14:creationId xmlns:p14="http://schemas.microsoft.com/office/powerpoint/2010/main" val="168331952"/>
+      </p:ext>
+    </p:extLst>
+  </p:cSld>
+  <p:clrMapOvr>
+    <a:masterClrMapping/>
+  </p:clrMapOvr>
+</p:sld>
+</file>
+
 <file path=ppt/slides/slide9.xml><?xml version="1.0" encoding="utf-8"?>
 <p:sld xmlns:a="http://schemas.openxmlformats.org/drawingml/2006/main" xmlns:r="http://schemas.openxmlformats.org/officeDocument/2006/relationships" xmlns:p="http://schemas.openxmlformats.org/presentationml/2006/main">
   <p:cSld>
@@ -4503,14 +4211,133 @@
       </p:grpSpPr>
       <p:sp>
         <p:nvSpPr>
-          <p:cNvPr id="4" name="TextBox 3"/>
+          <p:cNvPr id="2" name="Title 1"/>
+          <p:cNvSpPr>
+            <a:spLocks noGrp="1"/>
+          </p:cNvSpPr>
+          <p:nvPr>
+            <p:ph type="title"/>
+          </p:nvPr>
+        </p:nvSpPr>
+        <p:spPr/>
+        <p:txBody>
+          <a:bodyPr/>
+          <a:lstStyle/>
+          <a:p>
+            <a:r>
+              <a:rPr lang="en-US" dirty="0" smtClean="0">
+                <a:latin typeface="Cambria"/>
+                <a:cs typeface="Cambria"/>
+              </a:rPr>
+              <a:t>Expanded Features List</a:t>
+            </a:r>
+            <a:endParaRPr lang="en-US" dirty="0">
+              <a:latin typeface="Cambria"/>
+              <a:cs typeface="Cambria"/>
+            </a:endParaRPr>
+          </a:p>
+        </p:txBody>
+      </p:sp>
+      <p:pic>
+        <p:nvPicPr>
+          <p:cNvPr id="4" name="Picture 3" descr="icon.png"/>
+          <p:cNvPicPr>
+            <a:picLocks noChangeAspect="1"/>
+          </p:cNvPicPr>
+          <p:nvPr/>
+        </p:nvPicPr>
+        <p:blipFill>
+          <a:blip r:embed="rId2">
+            <a:extLst>
+              <a:ext uri="{28A0092B-C50C-407E-A947-70E740481C1C}">
+                <a14:useLocalDpi xmlns:a14="http://schemas.microsoft.com/office/drawing/2010/main" val="0"/>
+              </a:ext>
+            </a:extLst>
+          </a:blip>
+          <a:stretch>
+            <a:fillRect/>
+          </a:stretch>
+        </p:blipFill>
+        <p:spPr>
+          <a:xfrm>
+            <a:off x="1916289" y="1676399"/>
+            <a:ext cx="2317044" cy="2317044"/>
+          </a:xfrm>
+          <a:prstGeom prst="rect">
+            <a:avLst/>
+          </a:prstGeom>
+        </p:spPr>
+      </p:pic>
+      <p:pic>
+        <p:nvPicPr>
+          <p:cNvPr id="5" name="Picture 4" descr="map-7.png"/>
+          <p:cNvPicPr>
+            <a:picLocks noChangeAspect="1"/>
+          </p:cNvPicPr>
+          <p:nvPr/>
+        </p:nvPicPr>
+        <p:blipFill>
+          <a:blip r:embed="rId3">
+            <a:extLst>
+              <a:ext uri="{28A0092B-C50C-407E-A947-70E740481C1C}">
+                <a14:useLocalDpi xmlns:a14="http://schemas.microsoft.com/office/drawing/2010/main" val="0"/>
+              </a:ext>
+            </a:extLst>
+          </a:blip>
+          <a:stretch>
+            <a:fillRect/>
+          </a:stretch>
+        </p:blipFill>
+        <p:spPr>
+          <a:xfrm>
+            <a:off x="5367868" y="1859844"/>
+            <a:ext cx="1738489" cy="1738489"/>
+          </a:xfrm>
+          <a:prstGeom prst="rect">
+            <a:avLst/>
+          </a:prstGeom>
+        </p:spPr>
+      </p:pic>
+      <p:pic>
+        <p:nvPicPr>
+          <p:cNvPr id="6" name="Picture 5" descr="39915.png"/>
+          <p:cNvPicPr>
+            <a:picLocks noChangeAspect="1"/>
+          </p:cNvPicPr>
+          <p:nvPr/>
+        </p:nvPicPr>
+        <p:blipFill>
+          <a:blip r:embed="rId4">
+            <a:extLst>
+              <a:ext uri="{28A0092B-C50C-407E-A947-70E740481C1C}">
+                <a14:useLocalDpi xmlns:a14="http://schemas.microsoft.com/office/drawing/2010/main" val="0"/>
+              </a:ext>
+            </a:extLst>
+          </a:blip>
+          <a:stretch>
+            <a:fillRect/>
+          </a:stretch>
+        </p:blipFill>
+        <p:spPr>
+          <a:xfrm>
+            <a:off x="4840111" y="3759199"/>
+            <a:ext cx="2793890" cy="2793890"/>
+          </a:xfrm>
+          <a:prstGeom prst="rect">
+            <a:avLst/>
+          </a:prstGeom>
+        </p:spPr>
+      </p:pic>
+      <p:sp>
+        <p:nvSpPr>
+          <p:cNvPr id="8" name="TextBox 7"/>
           <p:cNvSpPr txBox="1"/>
           <p:nvPr/>
         </p:nvSpPr>
         <p:spPr>
           <a:xfrm>
-            <a:off x="2921000" y="3273778"/>
-            <a:ext cx="184666" cy="369332"/>
+            <a:off x="1986844" y="4868334"/>
+            <a:ext cx="2142934" cy="338554"/>
           </a:xfrm>
           <a:prstGeom prst="rect">
             <a:avLst/>
@@ -4523,50 +4350,163 @@
           </a:bodyPr>
           <a:lstStyle/>
           <a:p>
-            <a:endParaRPr lang="en-US" dirty="0"/>
-          </a:p>
-        </p:txBody>
-      </p:sp>
-      <p:sp>
-        <p:nvSpPr>
-          <p:cNvPr id="5" name="TextBox 4"/>
-          <p:cNvSpPr txBox="1"/>
+            <a:r>
+              <a:rPr lang="en-US" sz="1600" dirty="0" smtClean="0">
+                <a:latin typeface="Arial"/>
+                <a:cs typeface="Arial"/>
+              </a:rPr>
+              <a:t>S&amp;P gains 500 points</a:t>
+            </a:r>
+            <a:endParaRPr lang="en-US" sz="1600" dirty="0">
+              <a:latin typeface="Arial"/>
+              <a:cs typeface="Arial"/>
+            </a:endParaRPr>
+          </a:p>
+        </p:txBody>
+      </p:sp>
+      <p:sp>
+        <p:nvSpPr>
+          <p:cNvPr id="9" name="Rectangle 8"/>
+          <p:cNvSpPr/>
           <p:nvPr/>
         </p:nvSpPr>
         <p:spPr>
           <a:xfrm>
-            <a:off x="776111" y="1919111"/>
-            <a:ext cx="6924342" cy="1754327"/>
+            <a:off x="1986844" y="4868334"/>
+            <a:ext cx="2246489" cy="832555"/>
           </a:xfrm>
           <a:prstGeom prst="rect">
             <a:avLst/>
           </a:prstGeom>
           <a:noFill/>
+          <a:ln>
+            <a:solidFill>
+              <a:schemeClr val="tx1"/>
+            </a:solidFill>
+          </a:ln>
+          <a:effectLst/>
         </p:spPr>
-        <p:txBody>
-          <a:bodyPr wrap="none" rtlCol="0">
-            <a:spAutoFit/>
-          </a:bodyPr>
-          <a:lstStyle/>
-          <a:p>
-            <a:r>
-              <a:rPr lang="en-US" sz="5400" dirty="0" smtClean="0"/>
-              <a:t>PROTOCOLS AND </a:t>
-            </a:r>
-          </a:p>
-          <a:p>
-            <a:r>
-              <a:rPr lang="en-US" sz="5400" dirty="0" smtClean="0"/>
-              <a:t>COMPLEX ALGORITHMS</a:t>
-            </a:r>
-            <a:endParaRPr lang="en-US" sz="5400" dirty="0"/>
+        <p:style>
+          <a:lnRef idx="1">
+            <a:schemeClr val="accent1"/>
+          </a:lnRef>
+          <a:fillRef idx="3">
+            <a:schemeClr val="accent1"/>
+          </a:fillRef>
+          <a:effectRef idx="2">
+            <a:schemeClr val="accent1"/>
+          </a:effectRef>
+          <a:fontRef idx="minor">
+            <a:schemeClr val="lt1"/>
+          </a:fontRef>
+        </p:style>
+        <p:txBody>
+          <a:bodyPr rtlCol="0" anchor="ctr"/>
+          <a:lstStyle/>
+          <a:p>
+            <a:pPr algn="ctr"/>
+            <a:endParaRPr lang="en-US"/>
+          </a:p>
+        </p:txBody>
+      </p:sp>
+      <p:sp>
+        <p:nvSpPr>
+          <p:cNvPr id="10" name="Rounded Rectangle 9"/>
+          <p:cNvSpPr/>
+          <p:nvPr/>
+        </p:nvSpPr>
+        <p:spPr>
+          <a:xfrm>
+            <a:off x="2102556" y="5334000"/>
+            <a:ext cx="705555" cy="225778"/>
+          </a:xfrm>
+          <a:prstGeom prst="roundRect">
+            <a:avLst/>
+          </a:prstGeom>
+          <a:solidFill>
+            <a:srgbClr val="008000"/>
+          </a:solidFill>
+          <a:ln>
+            <a:solidFill>
+              <a:schemeClr val="tx1"/>
+            </a:solidFill>
+          </a:ln>
+          <a:effectLst/>
+        </p:spPr>
+        <p:style>
+          <a:lnRef idx="1">
+            <a:schemeClr val="accent1"/>
+          </a:lnRef>
+          <a:fillRef idx="3">
+            <a:schemeClr val="accent1"/>
+          </a:fillRef>
+          <a:effectRef idx="2">
+            <a:schemeClr val="accent1"/>
+          </a:effectRef>
+          <a:fontRef idx="minor">
+            <a:schemeClr val="lt1"/>
+          </a:fontRef>
+        </p:style>
+        <p:txBody>
+          <a:bodyPr rtlCol="0" anchor="ctr"/>
+          <a:lstStyle/>
+          <a:p>
+            <a:pPr algn="ctr"/>
+            <a:endParaRPr lang="en-US"/>
+          </a:p>
+        </p:txBody>
+      </p:sp>
+      <p:sp>
+        <p:nvSpPr>
+          <p:cNvPr id="11" name="Rounded Rectangle 10"/>
+          <p:cNvSpPr/>
+          <p:nvPr/>
+        </p:nvSpPr>
+        <p:spPr>
+          <a:xfrm>
+            <a:off x="2960511" y="5331178"/>
+            <a:ext cx="705555" cy="225778"/>
+          </a:xfrm>
+          <a:prstGeom prst="roundRect">
+            <a:avLst/>
+          </a:prstGeom>
+          <a:solidFill>
+            <a:srgbClr val="FF0000"/>
+          </a:solidFill>
+          <a:ln>
+            <a:solidFill>
+              <a:srgbClr val="000000"/>
+            </a:solidFill>
+          </a:ln>
+          <a:effectLst/>
+        </p:spPr>
+        <p:style>
+          <a:lnRef idx="1">
+            <a:schemeClr val="accent1"/>
+          </a:lnRef>
+          <a:fillRef idx="3">
+            <a:schemeClr val="accent1"/>
+          </a:fillRef>
+          <a:effectRef idx="2">
+            <a:schemeClr val="accent1"/>
+          </a:effectRef>
+          <a:fontRef idx="minor">
+            <a:schemeClr val="lt1"/>
+          </a:fontRef>
+        </p:style>
+        <p:txBody>
+          <a:bodyPr rtlCol="0" anchor="ctr"/>
+          <a:lstStyle/>
+          <a:p>
+            <a:pPr algn="ctr"/>
+            <a:endParaRPr lang="en-US"/>
           </a:p>
         </p:txBody>
       </p:sp>
     </p:spTree>
     <p:extLst>
       <p:ext uri="{BB962C8B-B14F-4D97-AF65-F5344CB8AC3E}">
-        <p14:creationId xmlns:p14="http://schemas.microsoft.com/office/powerpoint/2010/main" val="168331952"/>
+        <p14:creationId xmlns:p14="http://schemas.microsoft.com/office/powerpoint/2010/main" val="3980789510"/>
       </p:ext>
     </p:extLst>
   </p:cSld>

--- a/presentations/Presentation1.pptx
+++ b/presentations/Presentation1.pptx
@@ -4005,8 +4005,8 @@
         </p:blipFill>
         <p:spPr>
           <a:xfrm>
-            <a:off x="-5419" y="276727"/>
-            <a:ext cx="9154838" cy="6304547"/>
+            <a:off x="109585" y="541556"/>
+            <a:ext cx="8924830" cy="5774889"/>
           </a:xfrm>
           <a:prstGeom prst="rect">
             <a:avLst/>

--- a/presentations/Presentation1.pptx
+++ b/presentations/Presentation1.pptx
@@ -8,10 +8,10 @@
     <p:sldId id="256" r:id="rId2"/>
     <p:sldId id="257" r:id="rId3"/>
     <p:sldId id="258" r:id="rId4"/>
-    <p:sldId id="259" r:id="rId5"/>
-    <p:sldId id="265" r:id="rId6"/>
-    <p:sldId id="266" r:id="rId7"/>
-    <p:sldId id="261" r:id="rId8"/>
+    <p:sldId id="261" r:id="rId5"/>
+    <p:sldId id="259" r:id="rId6"/>
+    <p:sldId id="265" r:id="rId7"/>
+    <p:sldId id="266" r:id="rId8"/>
     <p:sldId id="263" r:id="rId9"/>
     <p:sldId id="264" r:id="rId10"/>
   </p:sldIdLst>
@@ -3782,6 +3782,73 @@
           <a:chExt cx="0" cy="0"/>
         </a:xfrm>
       </p:grpSpPr>
+      <p:pic>
+        <p:nvPicPr>
+          <p:cNvPr id="4" name="Picture 3" descr="acitvity_diagram_developer.png"/>
+          <p:cNvPicPr>
+            <a:picLocks noChangeAspect="1"/>
+          </p:cNvPicPr>
+          <p:nvPr/>
+        </p:nvPicPr>
+        <p:blipFill>
+          <a:blip r:embed="rId2">
+            <a:extLst>
+              <a:ext uri="{28A0092B-C50C-407E-A947-70E740481C1C}">
+                <a14:useLocalDpi xmlns:a14="http://schemas.microsoft.com/office/drawing/2010/main" val="0"/>
+              </a:ext>
+            </a:extLst>
+          </a:blip>
+          <a:stretch>
+            <a:fillRect/>
+          </a:stretch>
+        </p:blipFill>
+        <p:spPr>
+          <a:xfrm>
+            <a:off x="0" y="973668"/>
+            <a:ext cx="9144000" cy="4619134"/>
+          </a:xfrm>
+          <a:prstGeom prst="rect">
+            <a:avLst/>
+          </a:prstGeom>
+        </p:spPr>
+      </p:pic>
+    </p:spTree>
+    <p:extLst>
+      <p:ext uri="{BB962C8B-B14F-4D97-AF65-F5344CB8AC3E}">
+        <p14:creationId xmlns:p14="http://schemas.microsoft.com/office/powerpoint/2010/main" val="2495533904"/>
+      </p:ext>
+    </p:extLst>
+  </p:cSld>
+  <p:clrMapOvr>
+    <a:masterClrMapping/>
+  </p:clrMapOvr>
+  <p:timing>
+    <p:tnLst>
+      <p:par>
+        <p:cTn id="1" dur="indefinite" restart="never" nodeType="tmRoot"/>
+      </p:par>
+    </p:tnLst>
+  </p:timing>
+</p:sld>
+</file>
+
+<file path=ppt/slides/slide5.xml><?xml version="1.0" encoding="utf-8"?>
+<p:sld xmlns:a="http://schemas.openxmlformats.org/drawingml/2006/main" xmlns:r="http://schemas.openxmlformats.org/officeDocument/2006/relationships" xmlns:p="http://schemas.openxmlformats.org/presentationml/2006/main">
+  <p:cSld>
+    <p:spTree>
+      <p:nvGrpSpPr>
+        <p:cNvPr id="1" name=""/>
+        <p:cNvGrpSpPr/>
+        <p:nvPr/>
+      </p:nvGrpSpPr>
+      <p:grpSpPr>
+        <a:xfrm>
+          <a:off x="0" y="0"/>
+          <a:ext cx="0" cy="0"/>
+          <a:chOff x="0" y="0"/>
+          <a:chExt cx="0" cy="0"/>
+        </a:xfrm>
+      </p:grpSpPr>
       <p:sp>
         <p:nvSpPr>
           <p:cNvPr id="6" name="TextBox 5"/>
@@ -3839,7 +3906,7 @@
 </p:sld>
 </file>
 
-<file path=ppt/slides/slide5.xml><?xml version="1.0" encoding="utf-8"?>
+<file path=ppt/slides/slide6.xml><?xml version="1.0" encoding="utf-8"?>
 <p:sld xmlns:a="http://schemas.openxmlformats.org/drawingml/2006/main" xmlns:r="http://schemas.openxmlformats.org/officeDocument/2006/relationships" xmlns:p="http://schemas.openxmlformats.org/presentationml/2006/main">
   <p:cSld>
     <p:spTree>
@@ -3966,7 +4033,7 @@
 </p:sld>
 </file>
 
-<file path=ppt/slides/slide6.xml><?xml version="1.0" encoding="utf-8"?>
+<file path=ppt/slides/slide7.xml><?xml version="1.0" encoding="utf-8"?>
 <p:sld xmlns:a="http://schemas.openxmlformats.org/drawingml/2006/main" xmlns:r="http://schemas.openxmlformats.org/officeDocument/2006/relationships" xmlns:p="http://schemas.openxmlformats.org/presentationml/2006/main">
   <p:cSld>
     <p:spTree>
@@ -4033,73 +4100,6 @@
 </p:sld>
 </file>
 
-<file path=ppt/slides/slide7.xml><?xml version="1.0" encoding="utf-8"?>
-<p:sld xmlns:a="http://schemas.openxmlformats.org/drawingml/2006/main" xmlns:r="http://schemas.openxmlformats.org/officeDocument/2006/relationships" xmlns:p="http://schemas.openxmlformats.org/presentationml/2006/main">
-  <p:cSld>
-    <p:spTree>
-      <p:nvGrpSpPr>
-        <p:cNvPr id="1" name=""/>
-        <p:cNvGrpSpPr/>
-        <p:nvPr/>
-      </p:nvGrpSpPr>
-      <p:grpSpPr>
-        <a:xfrm>
-          <a:off x="0" y="0"/>
-          <a:ext cx="0" cy="0"/>
-          <a:chOff x="0" y="0"/>
-          <a:chExt cx="0" cy="0"/>
-        </a:xfrm>
-      </p:grpSpPr>
-      <p:pic>
-        <p:nvPicPr>
-          <p:cNvPr id="4" name="Picture 3" descr="acitvity_diagram_developer.png"/>
-          <p:cNvPicPr>
-            <a:picLocks noChangeAspect="1"/>
-          </p:cNvPicPr>
-          <p:nvPr/>
-        </p:nvPicPr>
-        <p:blipFill>
-          <a:blip r:embed="rId2">
-            <a:extLst>
-              <a:ext uri="{28A0092B-C50C-407E-A947-70E740481C1C}">
-                <a14:useLocalDpi xmlns:a14="http://schemas.microsoft.com/office/drawing/2010/main" val="0"/>
-              </a:ext>
-            </a:extLst>
-          </a:blip>
-          <a:stretch>
-            <a:fillRect/>
-          </a:stretch>
-        </p:blipFill>
-        <p:spPr>
-          <a:xfrm>
-            <a:off x="0" y="973668"/>
-            <a:ext cx="9144000" cy="4619134"/>
-          </a:xfrm>
-          <a:prstGeom prst="rect">
-            <a:avLst/>
-          </a:prstGeom>
-        </p:spPr>
-      </p:pic>
-    </p:spTree>
-    <p:extLst>
-      <p:ext uri="{BB962C8B-B14F-4D97-AF65-F5344CB8AC3E}">
-        <p14:creationId xmlns:p14="http://schemas.microsoft.com/office/powerpoint/2010/main" val="2495533904"/>
-      </p:ext>
-    </p:extLst>
-  </p:cSld>
-  <p:clrMapOvr>
-    <a:masterClrMapping/>
-  </p:clrMapOvr>
-  <p:timing>
-    <p:tnLst>
-      <p:par>
-        <p:cTn id="1" dur="indefinite" restart="never" nodeType="tmRoot"/>
-      </p:par>
-    </p:tnLst>
-  </p:timing>
-</p:sld>
-</file>
-
 <file path=ppt/slides/slide8.xml><?xml version="1.0" encoding="utf-8"?>
 <p:sld xmlns:a="http://schemas.openxmlformats.org/drawingml/2006/main" xmlns:r="http://schemas.openxmlformats.org/officeDocument/2006/relationships" xmlns:p="http://schemas.openxmlformats.org/presentationml/2006/main">
   <p:cSld>
@@ -4151,7 +4151,7 @@
         </p:nvSpPr>
         <p:spPr>
           <a:xfrm>
-            <a:off x="776111" y="1919111"/>
+            <a:off x="1109829" y="2551837"/>
             <a:ext cx="6924342" cy="1754327"/>
           </a:xfrm>
           <a:prstGeom prst="rect">
@@ -4165,6 +4165,7 @@
           </a:bodyPr>
           <a:lstStyle/>
           <a:p>
+            <a:pPr algn="ctr"/>
             <a:r>
               <a:rPr lang="en-US" sz="5400" dirty="0" smtClean="0"/>
               <a:t>PROTOCOLS AND </a:t>

--- a/presentations/Presentation1.pptx
+++ b/presentations/Presentation1.pptx
@@ -4,6 +4,9 @@
   <p:sldMasterIdLst>
     <p:sldMasterId id="2147483648" r:id="rId1"/>
   </p:sldMasterIdLst>
+  <p:notesMasterIdLst>
+    <p:notesMasterId r:id="rId11"/>
+  </p:notesMasterIdLst>
   <p:sldIdLst>
     <p:sldId id="256" r:id="rId2"/>
     <p:sldId id="257" r:id="rId3"/>
@@ -129,6 +132,477 @@
     </p:ext>
   </p:extLst>
 </p:presentation>
+</file>
+
+<file path=ppt/notesMasters/notesMaster1.xml><?xml version="1.0" encoding="utf-8"?>
+<p:notesMaster xmlns:a="http://schemas.openxmlformats.org/drawingml/2006/main" xmlns:r="http://schemas.openxmlformats.org/officeDocument/2006/relationships" xmlns:p="http://schemas.openxmlformats.org/presentationml/2006/main">
+  <p:cSld>
+    <p:bg>
+      <p:bgRef idx="1001">
+        <a:schemeClr val="bg1"/>
+      </p:bgRef>
+    </p:bg>
+    <p:spTree>
+      <p:nvGrpSpPr>
+        <p:cNvPr id="1" name=""/>
+        <p:cNvGrpSpPr/>
+        <p:nvPr/>
+      </p:nvGrpSpPr>
+      <p:grpSpPr>
+        <a:xfrm>
+          <a:off x="0" y="0"/>
+          <a:ext cx="0" cy="0"/>
+          <a:chOff x="0" y="0"/>
+          <a:chExt cx="0" cy="0"/>
+        </a:xfrm>
+      </p:grpSpPr>
+      <p:sp>
+        <p:nvSpPr>
+          <p:cNvPr id="2" name="Header Placeholder 1"/>
+          <p:cNvSpPr>
+            <a:spLocks noGrp="1"/>
+          </p:cNvSpPr>
+          <p:nvPr>
+            <p:ph type="hdr" sz="quarter"/>
+          </p:nvPr>
+        </p:nvSpPr>
+        <p:spPr>
+          <a:xfrm>
+            <a:off x="0" y="0"/>
+            <a:ext cx="2971800" cy="458788"/>
+          </a:xfrm>
+          <a:prstGeom prst="rect">
+            <a:avLst/>
+          </a:prstGeom>
+        </p:spPr>
+        <p:txBody>
+          <a:bodyPr vert="horz" lIns="91440" tIns="45720" rIns="91440" bIns="45720" rtlCol="0"/>
+          <a:lstStyle>
+            <a:lvl1pPr algn="l">
+              <a:defRPr sz="1200"/>
+            </a:lvl1pPr>
+          </a:lstStyle>
+          <a:p>
+            <a:endParaRPr lang="en-US"/>
+          </a:p>
+        </p:txBody>
+      </p:sp>
+      <p:sp>
+        <p:nvSpPr>
+          <p:cNvPr id="3" name="Date Placeholder 2"/>
+          <p:cNvSpPr>
+            <a:spLocks noGrp="1"/>
+          </p:cNvSpPr>
+          <p:nvPr>
+            <p:ph type="dt" idx="1"/>
+          </p:nvPr>
+        </p:nvSpPr>
+        <p:spPr>
+          <a:xfrm>
+            <a:off x="3884613" y="0"/>
+            <a:ext cx="2971800" cy="458788"/>
+          </a:xfrm>
+          <a:prstGeom prst="rect">
+            <a:avLst/>
+          </a:prstGeom>
+        </p:spPr>
+        <p:txBody>
+          <a:bodyPr vert="horz" lIns="91440" tIns="45720" rIns="91440" bIns="45720" rtlCol="0"/>
+          <a:lstStyle>
+            <a:lvl1pPr algn="r">
+              <a:defRPr sz="1200"/>
+            </a:lvl1pPr>
+          </a:lstStyle>
+          <a:p>
+            <a:fld id="{17CE5FC2-85F4-4A6F-9A4A-90CA1BDC0303}" type="datetimeFigureOut">
+              <a:rPr lang="en-US" smtClean="0"/>
+              <a:t>11/12/2014</a:t>
+            </a:fld>
+            <a:endParaRPr lang="en-US"/>
+          </a:p>
+        </p:txBody>
+      </p:sp>
+      <p:sp>
+        <p:nvSpPr>
+          <p:cNvPr id="4" name="Slide Image Placeholder 3"/>
+          <p:cNvSpPr>
+            <a:spLocks noGrp="1" noRot="1" noChangeAspect="1"/>
+          </p:cNvSpPr>
+          <p:nvPr>
+            <p:ph type="sldImg" idx="2"/>
+          </p:nvPr>
+        </p:nvSpPr>
+        <p:spPr>
+          <a:xfrm>
+            <a:off x="1371600" y="1143000"/>
+            <a:ext cx="4114800" cy="3086100"/>
+          </a:xfrm>
+          <a:prstGeom prst="rect">
+            <a:avLst/>
+          </a:prstGeom>
+          <a:noFill/>
+          <a:ln w="12700">
+            <a:solidFill>
+              <a:prstClr val="black"/>
+            </a:solidFill>
+          </a:ln>
+        </p:spPr>
+        <p:txBody>
+          <a:bodyPr vert="horz" lIns="91440" tIns="45720" rIns="91440" bIns="45720" rtlCol="0" anchor="ctr"/>
+          <a:lstStyle/>
+          <a:p>
+            <a:endParaRPr lang="en-US"/>
+          </a:p>
+        </p:txBody>
+      </p:sp>
+      <p:sp>
+        <p:nvSpPr>
+          <p:cNvPr id="5" name="Notes Placeholder 4"/>
+          <p:cNvSpPr>
+            <a:spLocks noGrp="1"/>
+          </p:cNvSpPr>
+          <p:nvPr>
+            <p:ph type="body" sz="quarter" idx="3"/>
+          </p:nvPr>
+        </p:nvSpPr>
+        <p:spPr>
+          <a:xfrm>
+            <a:off x="685800" y="4400550"/>
+            <a:ext cx="5486400" cy="3600450"/>
+          </a:xfrm>
+          <a:prstGeom prst="rect">
+            <a:avLst/>
+          </a:prstGeom>
+        </p:spPr>
+        <p:txBody>
+          <a:bodyPr vert="horz" lIns="91440" tIns="45720" rIns="91440" bIns="45720" rtlCol="0"/>
+          <a:lstStyle/>
+          <a:p>
+            <a:pPr lvl="0"/>
+            <a:r>
+              <a:rPr lang="en-US" smtClean="0"/>
+              <a:t>Click to edit Master text styles</a:t>
+            </a:r>
+          </a:p>
+          <a:p>
+            <a:pPr lvl="1"/>
+            <a:r>
+              <a:rPr lang="en-US" smtClean="0"/>
+              <a:t>Second level</a:t>
+            </a:r>
+          </a:p>
+          <a:p>
+            <a:pPr lvl="2"/>
+            <a:r>
+              <a:rPr lang="en-US" smtClean="0"/>
+              <a:t>Third level</a:t>
+            </a:r>
+          </a:p>
+          <a:p>
+            <a:pPr lvl="3"/>
+            <a:r>
+              <a:rPr lang="en-US" smtClean="0"/>
+              <a:t>Fourth level</a:t>
+            </a:r>
+          </a:p>
+          <a:p>
+            <a:pPr lvl="4"/>
+            <a:r>
+              <a:rPr lang="en-US" smtClean="0"/>
+              <a:t>Fifth level</a:t>
+            </a:r>
+            <a:endParaRPr lang="en-US"/>
+          </a:p>
+        </p:txBody>
+      </p:sp>
+      <p:sp>
+        <p:nvSpPr>
+          <p:cNvPr id="6" name="Footer Placeholder 5"/>
+          <p:cNvSpPr>
+            <a:spLocks noGrp="1"/>
+          </p:cNvSpPr>
+          <p:nvPr>
+            <p:ph type="ftr" sz="quarter" idx="4"/>
+          </p:nvPr>
+        </p:nvSpPr>
+        <p:spPr>
+          <a:xfrm>
+            <a:off x="0" y="8685213"/>
+            <a:ext cx="2971800" cy="458787"/>
+          </a:xfrm>
+          <a:prstGeom prst="rect">
+            <a:avLst/>
+          </a:prstGeom>
+        </p:spPr>
+        <p:txBody>
+          <a:bodyPr vert="horz" lIns="91440" tIns="45720" rIns="91440" bIns="45720" rtlCol="0" anchor="b"/>
+          <a:lstStyle>
+            <a:lvl1pPr algn="l">
+              <a:defRPr sz="1200"/>
+            </a:lvl1pPr>
+          </a:lstStyle>
+          <a:p>
+            <a:endParaRPr lang="en-US"/>
+          </a:p>
+        </p:txBody>
+      </p:sp>
+      <p:sp>
+        <p:nvSpPr>
+          <p:cNvPr id="7" name="Slide Number Placeholder 6"/>
+          <p:cNvSpPr>
+            <a:spLocks noGrp="1"/>
+          </p:cNvSpPr>
+          <p:nvPr>
+            <p:ph type="sldNum" sz="quarter" idx="5"/>
+          </p:nvPr>
+        </p:nvSpPr>
+        <p:spPr>
+          <a:xfrm>
+            <a:off x="3884613" y="8685213"/>
+            <a:ext cx="2971800" cy="458787"/>
+          </a:xfrm>
+          <a:prstGeom prst="rect">
+            <a:avLst/>
+          </a:prstGeom>
+        </p:spPr>
+        <p:txBody>
+          <a:bodyPr vert="horz" lIns="91440" tIns="45720" rIns="91440" bIns="45720" rtlCol="0" anchor="b"/>
+          <a:lstStyle>
+            <a:lvl1pPr algn="r">
+              <a:defRPr sz="1200"/>
+            </a:lvl1pPr>
+          </a:lstStyle>
+          <a:p>
+            <a:fld id="{A7525AEA-5A0F-4349-A1BB-4ADCD4F65939}" type="slidenum">
+              <a:rPr lang="en-US" smtClean="0"/>
+              <a:t>‹#›</a:t>
+            </a:fld>
+            <a:endParaRPr lang="en-US"/>
+          </a:p>
+        </p:txBody>
+      </p:sp>
+    </p:spTree>
+    <p:extLst>
+      <p:ext uri="{BB962C8B-B14F-4D97-AF65-F5344CB8AC3E}">
+        <p14:creationId xmlns:p14="http://schemas.microsoft.com/office/powerpoint/2010/main" val="4261610079"/>
+      </p:ext>
+    </p:extLst>
+  </p:cSld>
+  <p:clrMap bg1="lt1" tx1="dk1" bg2="lt2" tx2="dk2" accent1="accent1" accent2="accent2" accent3="accent3" accent4="accent4" accent5="accent5" accent6="accent6" hlink="hlink" folHlink="folHlink"/>
+  <p:notesStyle>
+    <a:lvl1pPr marL="0" algn="l" defTabSz="914400" rtl="0" eaLnBrk="1" latinLnBrk="0" hangingPunct="1">
+      <a:defRPr sz="1200" kern="1200">
+        <a:solidFill>
+          <a:schemeClr val="tx1"/>
+        </a:solidFill>
+        <a:latin typeface="+mn-lt"/>
+        <a:ea typeface="+mn-ea"/>
+        <a:cs typeface="+mn-cs"/>
+      </a:defRPr>
+    </a:lvl1pPr>
+    <a:lvl2pPr marL="457200" algn="l" defTabSz="914400" rtl="0" eaLnBrk="1" latinLnBrk="0" hangingPunct="1">
+      <a:defRPr sz="1200" kern="1200">
+        <a:solidFill>
+          <a:schemeClr val="tx1"/>
+        </a:solidFill>
+        <a:latin typeface="+mn-lt"/>
+        <a:ea typeface="+mn-ea"/>
+        <a:cs typeface="+mn-cs"/>
+      </a:defRPr>
+    </a:lvl2pPr>
+    <a:lvl3pPr marL="914400" algn="l" defTabSz="914400" rtl="0" eaLnBrk="1" latinLnBrk="0" hangingPunct="1">
+      <a:defRPr sz="1200" kern="1200">
+        <a:solidFill>
+          <a:schemeClr val="tx1"/>
+        </a:solidFill>
+        <a:latin typeface="+mn-lt"/>
+        <a:ea typeface="+mn-ea"/>
+        <a:cs typeface="+mn-cs"/>
+      </a:defRPr>
+    </a:lvl3pPr>
+    <a:lvl4pPr marL="1371600" algn="l" defTabSz="914400" rtl="0" eaLnBrk="1" latinLnBrk="0" hangingPunct="1">
+      <a:defRPr sz="1200" kern="1200">
+        <a:solidFill>
+          <a:schemeClr val="tx1"/>
+        </a:solidFill>
+        <a:latin typeface="+mn-lt"/>
+        <a:ea typeface="+mn-ea"/>
+        <a:cs typeface="+mn-cs"/>
+      </a:defRPr>
+    </a:lvl4pPr>
+    <a:lvl5pPr marL="1828800" algn="l" defTabSz="914400" rtl="0" eaLnBrk="1" latinLnBrk="0" hangingPunct="1">
+      <a:defRPr sz="1200" kern="1200">
+        <a:solidFill>
+          <a:schemeClr val="tx1"/>
+        </a:solidFill>
+        <a:latin typeface="+mn-lt"/>
+        <a:ea typeface="+mn-ea"/>
+        <a:cs typeface="+mn-cs"/>
+      </a:defRPr>
+    </a:lvl5pPr>
+    <a:lvl6pPr marL="2286000" algn="l" defTabSz="914400" rtl="0" eaLnBrk="1" latinLnBrk="0" hangingPunct="1">
+      <a:defRPr sz="1200" kern="1200">
+        <a:solidFill>
+          <a:schemeClr val="tx1"/>
+        </a:solidFill>
+        <a:latin typeface="+mn-lt"/>
+        <a:ea typeface="+mn-ea"/>
+        <a:cs typeface="+mn-cs"/>
+      </a:defRPr>
+    </a:lvl6pPr>
+    <a:lvl7pPr marL="2743200" algn="l" defTabSz="914400" rtl="0" eaLnBrk="1" latinLnBrk="0" hangingPunct="1">
+      <a:defRPr sz="1200" kern="1200">
+        <a:solidFill>
+          <a:schemeClr val="tx1"/>
+        </a:solidFill>
+        <a:latin typeface="+mn-lt"/>
+        <a:ea typeface="+mn-ea"/>
+        <a:cs typeface="+mn-cs"/>
+      </a:defRPr>
+    </a:lvl7pPr>
+    <a:lvl8pPr marL="3200400" algn="l" defTabSz="914400" rtl="0" eaLnBrk="1" latinLnBrk="0" hangingPunct="1">
+      <a:defRPr sz="1200" kern="1200">
+        <a:solidFill>
+          <a:schemeClr val="tx1"/>
+        </a:solidFill>
+        <a:latin typeface="+mn-lt"/>
+        <a:ea typeface="+mn-ea"/>
+        <a:cs typeface="+mn-cs"/>
+      </a:defRPr>
+    </a:lvl8pPr>
+    <a:lvl9pPr marL="3657600" algn="l" defTabSz="914400" rtl="0" eaLnBrk="1" latinLnBrk="0" hangingPunct="1">
+      <a:defRPr sz="1200" kern="1200">
+        <a:solidFill>
+          <a:schemeClr val="tx1"/>
+        </a:solidFill>
+        <a:latin typeface="+mn-lt"/>
+        <a:ea typeface="+mn-ea"/>
+        <a:cs typeface="+mn-cs"/>
+      </a:defRPr>
+    </a:lvl9pPr>
+  </p:notesStyle>
+</p:notesMaster>
+</file>
+
+<file path=ppt/notesSlides/notesSlide1.xml><?xml version="1.0" encoding="utf-8"?>
+<p:notes xmlns:a="http://schemas.openxmlformats.org/drawingml/2006/main" xmlns:r="http://schemas.openxmlformats.org/officeDocument/2006/relationships" xmlns:p="http://schemas.openxmlformats.org/presentationml/2006/main">
+  <p:cSld>
+    <p:spTree>
+      <p:nvGrpSpPr>
+        <p:cNvPr id="1" name=""/>
+        <p:cNvGrpSpPr/>
+        <p:nvPr/>
+      </p:nvGrpSpPr>
+      <p:grpSpPr>
+        <a:xfrm>
+          <a:off x="0" y="0"/>
+          <a:ext cx="0" cy="0"/>
+          <a:chOff x="0" y="0"/>
+          <a:chExt cx="0" cy="0"/>
+        </a:xfrm>
+      </p:grpSpPr>
+      <p:sp>
+        <p:nvSpPr>
+          <p:cNvPr id="2" name="Slide Image Placeholder 1"/>
+          <p:cNvSpPr>
+            <a:spLocks noGrp="1" noRot="1" noChangeAspect="1"/>
+          </p:cNvSpPr>
+          <p:nvPr>
+            <p:ph type="sldImg"/>
+          </p:nvPr>
+        </p:nvSpPr>
+        <p:spPr/>
+      </p:sp>
+      <p:sp>
+        <p:nvSpPr>
+          <p:cNvPr id="3" name="Notes Placeholder 2"/>
+          <p:cNvSpPr>
+            <a:spLocks noGrp="1"/>
+          </p:cNvSpPr>
+          <p:nvPr>
+            <p:ph type="body" idx="1"/>
+          </p:nvPr>
+        </p:nvSpPr>
+        <p:spPr/>
+        <p:txBody>
+          <a:bodyPr/>
+          <a:lstStyle/>
+          <a:p>
+            <a:r>
+              <a:rPr lang="en-US" dirty="0" smtClean="0"/>
+              <a:t>1) </a:t>
+            </a:r>
+            <a:r>
+              <a:rPr lang="en-US" dirty="0" err="1" smtClean="0"/>
+              <a:t>Json</a:t>
+            </a:r>
+            <a:r>
+              <a:rPr lang="en-US" dirty="0" smtClean="0"/>
+              <a:t> – using</a:t>
+            </a:r>
+            <a:r>
+              <a:rPr lang="en-US" baseline="0" dirty="0" smtClean="0"/>
+              <a:t> this for server </a:t>
+            </a:r>
+            <a:r>
+              <a:rPr lang="en-US" baseline="0" dirty="0" smtClean="0">
+                <a:sym typeface="Wingdings" panose="05000000000000000000" pitchFamily="2" charset="2"/>
+              </a:rPr>
+              <a:t> iOS communication</a:t>
+            </a:r>
+          </a:p>
+          <a:p>
+            <a:r>
+              <a:rPr lang="en-US" baseline="0" dirty="0" smtClean="0">
+                <a:sym typeface="Wingdings" panose="05000000000000000000" pitchFamily="2" charset="2"/>
+              </a:rPr>
+              <a:t>2) We will have a standard HTTP REST API to which our iOS client app can make requests</a:t>
+            </a:r>
+          </a:p>
+          <a:p>
+            <a:r>
+              <a:rPr lang="en-US" baseline="0" dirty="0" smtClean="0">
+                <a:sym typeface="Wingdings" panose="05000000000000000000" pitchFamily="2" charset="2"/>
+              </a:rPr>
+              <a:t>3) Developers will be able to perform all actions aside from initially creating their account from our REST API</a:t>
+            </a:r>
+          </a:p>
+        </p:txBody>
+      </p:sp>
+      <p:sp>
+        <p:nvSpPr>
+          <p:cNvPr id="4" name="Slide Number Placeholder 3"/>
+          <p:cNvSpPr>
+            <a:spLocks noGrp="1"/>
+          </p:cNvSpPr>
+          <p:nvPr>
+            <p:ph type="sldNum" sz="quarter" idx="10"/>
+          </p:nvPr>
+        </p:nvSpPr>
+        <p:spPr/>
+        <p:txBody>
+          <a:bodyPr/>
+          <a:lstStyle/>
+          <a:p>
+            <a:fld id="{A7525AEA-5A0F-4349-A1BB-4ADCD4F65939}" type="slidenum">
+              <a:rPr lang="en-US" smtClean="0"/>
+              <a:t>8</a:t>
+            </a:fld>
+            <a:endParaRPr lang="en-US"/>
+          </a:p>
+        </p:txBody>
+      </p:sp>
+    </p:spTree>
+    <p:extLst>
+      <p:ext uri="{BB962C8B-B14F-4D97-AF65-F5344CB8AC3E}">
+        <p14:creationId xmlns:p14="http://schemas.microsoft.com/office/powerpoint/2010/main" val="274660361"/>
+      </p:ext>
+    </p:extLst>
+  </p:cSld>
+  <p:clrMapOvr>
+    <a:masterClrMapping/>
+  </p:clrMapOvr>
+</p:notes>
 </file>
 
 <file path=ppt/slideLayouts/slideLayout1.xml><?xml version="1.0" encoding="utf-8"?>
@@ -4151,8 +4625,8 @@
         </p:nvSpPr>
         <p:spPr>
           <a:xfrm>
-            <a:off x="1109829" y="2551837"/>
-            <a:ext cx="6924342" cy="1754327"/>
+            <a:off x="863036" y="2551837"/>
+            <a:ext cx="7417928" cy="1754326"/>
           </a:xfrm>
           <a:prstGeom prst="rect">
             <a:avLst/>
@@ -4167,16 +4641,22 @@
           <a:p>
             <a:pPr algn="ctr"/>
             <a:r>
-              <a:rPr lang="en-US" sz="5400" dirty="0" smtClean="0"/>
+              <a:rPr lang="en-US" sz="5400" dirty="0" smtClean="0">
+                <a:latin typeface="Cambria" panose="02040503050406030204" pitchFamily="18" charset="0"/>
+              </a:rPr>
               <a:t>PROTOCOLS AND </a:t>
             </a:r>
           </a:p>
           <a:p>
             <a:r>
-              <a:rPr lang="en-US" sz="5400" dirty="0" smtClean="0"/>
+              <a:rPr lang="en-US" sz="5400" dirty="0" smtClean="0">
+                <a:latin typeface="Cambria" panose="02040503050406030204" pitchFamily="18" charset="0"/>
+              </a:rPr>
               <a:t>COMPLEX ALGORITHMS</a:t>
             </a:r>
-            <a:endParaRPr lang="en-US" sz="5400" dirty="0"/>
+            <a:endParaRPr lang="en-US" sz="5400" dirty="0">
+              <a:latin typeface="Cambria" panose="02040503050406030204" pitchFamily="18" charset="0"/>
+            </a:endParaRPr>
           </a:p>
         </p:txBody>
       </p:sp>
@@ -4835,4 +5315,265 @@
   </a:objectDefaults>
   <a:extraClrSchemeLst/>
 </a:theme>
+</file>
+
+<file path=ppt/theme/theme2.xml><?xml version="1.0" encoding="utf-8"?>
+<a:theme xmlns:a="http://schemas.openxmlformats.org/drawingml/2006/main" name="Office Theme">
+  <a:themeElements>
+    <a:clrScheme name="Office">
+      <a:dk1>
+        <a:sysClr val="windowText" lastClr="000000"/>
+      </a:dk1>
+      <a:lt1>
+        <a:sysClr val="window" lastClr="FFFFFF"/>
+      </a:lt1>
+      <a:dk2>
+        <a:srgbClr val="44546A"/>
+      </a:dk2>
+      <a:lt2>
+        <a:srgbClr val="E7E6E6"/>
+      </a:lt2>
+      <a:accent1>
+        <a:srgbClr val="5B9BD5"/>
+      </a:accent1>
+      <a:accent2>
+        <a:srgbClr val="ED7D31"/>
+      </a:accent2>
+      <a:accent3>
+        <a:srgbClr val="A5A5A5"/>
+      </a:accent3>
+      <a:accent4>
+        <a:srgbClr val="FFC000"/>
+      </a:accent4>
+      <a:accent5>
+        <a:srgbClr val="4472C4"/>
+      </a:accent5>
+      <a:accent6>
+        <a:srgbClr val="70AD47"/>
+      </a:accent6>
+      <a:hlink>
+        <a:srgbClr val="0563C1"/>
+      </a:hlink>
+      <a:folHlink>
+        <a:srgbClr val="954F72"/>
+      </a:folHlink>
+    </a:clrScheme>
+    <a:fontScheme name="Office">
+      <a:majorFont>
+        <a:latin typeface="Calibri Light" panose="020F0302020204030204"/>
+        <a:ea typeface=""/>
+        <a:cs typeface=""/>
+        <a:font script="Jpan" typeface="ＭＳ Ｐゴシック"/>
+        <a:font script="Hang" typeface="맑은 고딕"/>
+        <a:font script="Hans" typeface="宋体"/>
+        <a:font script="Hant" typeface="新細明體"/>
+        <a:font script="Arab" typeface="Times New Roman"/>
+        <a:font script="Hebr" typeface="Times New Roman"/>
+        <a:font script="Thai" typeface="Angsana New"/>
+        <a:font script="Ethi" typeface="Nyala"/>
+        <a:font script="Beng" typeface="Vrinda"/>
+        <a:font script="Gujr" typeface="Shruti"/>
+        <a:font script="Khmr" typeface="MoolBoran"/>
+        <a:font script="Knda" typeface="Tunga"/>
+        <a:font script="Guru" typeface="Raavi"/>
+        <a:font script="Cans" typeface="Euphemia"/>
+        <a:font script="Cher" typeface="Plantagenet Cherokee"/>
+        <a:font script="Yiii" typeface="Microsoft Yi Baiti"/>
+        <a:font script="Tibt" typeface="Microsoft Himalaya"/>
+        <a:font script="Thaa" typeface="MV Boli"/>
+        <a:font script="Deva" typeface="Mangal"/>
+        <a:font script="Telu" typeface="Gautami"/>
+        <a:font script="Taml" typeface="Latha"/>
+        <a:font script="Syrc" typeface="Estrangelo Edessa"/>
+        <a:font script="Orya" typeface="Kalinga"/>
+        <a:font script="Mlym" typeface="Kartika"/>
+        <a:font script="Laoo" typeface="DokChampa"/>
+        <a:font script="Sinh" typeface="Iskoola Pota"/>
+        <a:font script="Mong" typeface="Mongolian Baiti"/>
+        <a:font script="Viet" typeface="Times New Roman"/>
+        <a:font script="Uigh" typeface="Microsoft Uighur"/>
+        <a:font script="Geor" typeface="Sylfaen"/>
+      </a:majorFont>
+      <a:minorFont>
+        <a:latin typeface="Calibri" panose="020F0502020204030204"/>
+        <a:ea typeface=""/>
+        <a:cs typeface=""/>
+        <a:font script="Jpan" typeface="ＭＳ Ｐゴシック"/>
+        <a:font script="Hang" typeface="맑은 고딕"/>
+        <a:font script="Hans" typeface="宋体"/>
+        <a:font script="Hant" typeface="新細明體"/>
+        <a:font script="Arab" typeface="Arial"/>
+        <a:font script="Hebr" typeface="Arial"/>
+        <a:font script="Thai" typeface="Cordia New"/>
+        <a:font script="Ethi" typeface="Nyala"/>
+        <a:font script="Beng" typeface="Vrinda"/>
+        <a:font script="Gujr" typeface="Shruti"/>
+        <a:font script="Khmr" typeface="DaunPenh"/>
+        <a:font script="Knda" typeface="Tunga"/>
+        <a:font script="Guru" typeface="Raavi"/>
+        <a:font script="Cans" typeface="Euphemia"/>
+        <a:font script="Cher" typeface="Plantagenet Cherokee"/>
+        <a:font script="Yiii" typeface="Microsoft Yi Baiti"/>
+        <a:font script="Tibt" typeface="Microsoft Himalaya"/>
+        <a:font script="Thaa" typeface="MV Boli"/>
+        <a:font script="Deva" typeface="Mangal"/>
+        <a:font script="Telu" typeface="Gautami"/>
+        <a:font script="Taml" typeface="Latha"/>
+        <a:font script="Syrc" typeface="Estrangelo Edessa"/>
+        <a:font script="Orya" typeface="Kalinga"/>
+        <a:font script="Mlym" typeface="Kartika"/>
+        <a:font script="Laoo" typeface="DokChampa"/>
+        <a:font script="Sinh" typeface="Iskoola Pota"/>
+        <a:font script="Mong" typeface="Mongolian Baiti"/>
+        <a:font script="Viet" typeface="Arial"/>
+        <a:font script="Uigh" typeface="Microsoft Uighur"/>
+        <a:font script="Geor" typeface="Sylfaen"/>
+      </a:minorFont>
+    </a:fontScheme>
+    <a:fmtScheme name="Office">
+      <a:fillStyleLst>
+        <a:solidFill>
+          <a:schemeClr val="phClr"/>
+        </a:solidFill>
+        <a:gradFill rotWithShape="1">
+          <a:gsLst>
+            <a:gs pos="0">
+              <a:schemeClr val="phClr">
+                <a:lumMod val="110000"/>
+                <a:satMod val="105000"/>
+                <a:tint val="67000"/>
+              </a:schemeClr>
+            </a:gs>
+            <a:gs pos="50000">
+              <a:schemeClr val="phClr">
+                <a:lumMod val="105000"/>
+                <a:satMod val="103000"/>
+                <a:tint val="73000"/>
+              </a:schemeClr>
+            </a:gs>
+            <a:gs pos="100000">
+              <a:schemeClr val="phClr">
+                <a:lumMod val="105000"/>
+                <a:satMod val="109000"/>
+                <a:tint val="81000"/>
+              </a:schemeClr>
+            </a:gs>
+          </a:gsLst>
+          <a:lin ang="5400000" scaled="0"/>
+        </a:gradFill>
+        <a:gradFill rotWithShape="1">
+          <a:gsLst>
+            <a:gs pos="0">
+              <a:schemeClr val="phClr">
+                <a:satMod val="103000"/>
+                <a:lumMod val="102000"/>
+                <a:tint val="94000"/>
+              </a:schemeClr>
+            </a:gs>
+            <a:gs pos="50000">
+              <a:schemeClr val="phClr">
+                <a:satMod val="110000"/>
+                <a:lumMod val="100000"/>
+                <a:shade val="100000"/>
+              </a:schemeClr>
+            </a:gs>
+            <a:gs pos="100000">
+              <a:schemeClr val="phClr">
+                <a:lumMod val="99000"/>
+                <a:satMod val="120000"/>
+                <a:shade val="78000"/>
+              </a:schemeClr>
+            </a:gs>
+          </a:gsLst>
+          <a:lin ang="5400000" scaled="0"/>
+        </a:gradFill>
+      </a:fillStyleLst>
+      <a:lnStyleLst>
+        <a:ln w="6350" cap="flat" cmpd="sng" algn="ctr">
+          <a:solidFill>
+            <a:schemeClr val="phClr"/>
+          </a:solidFill>
+          <a:prstDash val="solid"/>
+          <a:miter lim="800000"/>
+        </a:ln>
+        <a:ln w="12700" cap="flat" cmpd="sng" algn="ctr">
+          <a:solidFill>
+            <a:schemeClr val="phClr"/>
+          </a:solidFill>
+          <a:prstDash val="solid"/>
+          <a:miter lim="800000"/>
+        </a:ln>
+        <a:ln w="19050" cap="flat" cmpd="sng" algn="ctr">
+          <a:solidFill>
+            <a:schemeClr val="phClr"/>
+          </a:solidFill>
+          <a:prstDash val="solid"/>
+          <a:miter lim="800000"/>
+        </a:ln>
+      </a:lnStyleLst>
+      <a:effectStyleLst>
+        <a:effectStyle>
+          <a:effectLst/>
+        </a:effectStyle>
+        <a:effectStyle>
+          <a:effectLst/>
+        </a:effectStyle>
+        <a:effectStyle>
+          <a:effectLst>
+            <a:outerShdw blurRad="57150" dist="19050" dir="5400000" algn="ctr" rotWithShape="0">
+              <a:srgbClr val="000000">
+                <a:alpha val="63000"/>
+              </a:srgbClr>
+            </a:outerShdw>
+          </a:effectLst>
+        </a:effectStyle>
+      </a:effectStyleLst>
+      <a:bgFillStyleLst>
+        <a:solidFill>
+          <a:schemeClr val="phClr"/>
+        </a:solidFill>
+        <a:solidFill>
+          <a:schemeClr val="phClr">
+            <a:tint val="95000"/>
+            <a:satMod val="170000"/>
+          </a:schemeClr>
+        </a:solidFill>
+        <a:gradFill rotWithShape="1">
+          <a:gsLst>
+            <a:gs pos="0">
+              <a:schemeClr val="phClr">
+                <a:tint val="93000"/>
+                <a:satMod val="150000"/>
+                <a:shade val="98000"/>
+                <a:lumMod val="102000"/>
+              </a:schemeClr>
+            </a:gs>
+            <a:gs pos="50000">
+              <a:schemeClr val="phClr">
+                <a:tint val="98000"/>
+                <a:satMod val="130000"/>
+                <a:shade val="90000"/>
+                <a:lumMod val="103000"/>
+              </a:schemeClr>
+            </a:gs>
+            <a:gs pos="100000">
+              <a:schemeClr val="phClr">
+                <a:shade val="63000"/>
+                <a:satMod val="120000"/>
+              </a:schemeClr>
+            </a:gs>
+          </a:gsLst>
+          <a:lin ang="5400000" scaled="0"/>
+        </a:gradFill>
+      </a:bgFillStyleLst>
+    </a:fmtScheme>
+  </a:themeElements>
+  <a:objectDefaults/>
+  <a:extraClrSchemeLst/>
+  <a:extLst>
+    <a:ext uri="{05A4C25C-085E-4340-85A3-A5531E510DB2}">
+      <thm15:themeFamily xmlns:thm15="http://schemas.microsoft.com/office/thememl/2012/main" name="Office Theme" id="{62F939B6-93AF-4DB8-9C6B-D6C7DFDC589F}" vid="{4A3C46E8-61CC-4603-A589-7422A47A8E4A}"/>
+    </a:ext>
+  </a:extLst>
+</a:theme>
 </file>
--- a/presentations/Presentation1.pptx
+++ b/presentations/Presentation1.pptx
@@ -5,7 +5,7 @@
     <p:sldMasterId id="2147483648" r:id="rId1"/>
   </p:sldMasterIdLst>
   <p:notesMasterIdLst>
-    <p:notesMasterId r:id="rId11"/>
+    <p:notesMasterId r:id="rId12"/>
   </p:notesMasterIdLst>
   <p:sldIdLst>
     <p:sldId id="256" r:id="rId2"/>
@@ -17,6 +17,7 @@
     <p:sldId id="266" r:id="rId8"/>
     <p:sldId id="263" r:id="rId9"/>
     <p:sldId id="264" r:id="rId10"/>
+    <p:sldId id="267" r:id="rId11"/>
   </p:sldIdLst>
   <p:sldSz cx="9144000" cy="6858000" type="screen4x3"/>
   <p:notesSz cx="6858000" cy="9144000"/>
@@ -530,33 +531,21 @@
           <a:p>
             <a:r>
               <a:rPr lang="en-US" dirty="0" smtClean="0"/>
-              <a:t>1) </a:t>
-            </a:r>
-            <a:r>
-              <a:rPr lang="en-US" dirty="0" err="1" smtClean="0"/>
-              <a:t>Json</a:t>
-            </a:r>
-            <a:r>
-              <a:rPr lang="en-US" dirty="0" smtClean="0"/>
-              <a:t> – using</a:t>
-            </a:r>
-            <a:r>
-              <a:rPr lang="en-US" baseline="0" dirty="0" smtClean="0"/>
-              <a:t> this for server </a:t>
-            </a:r>
+              <a:t>PROTOCOLS:</a:t>
+            </a:r>
+          </a:p>
+          <a:p>
             <a:r>
               <a:rPr lang="en-US" baseline="0" dirty="0" smtClean="0">
                 <a:sym typeface="Wingdings" panose="05000000000000000000" pitchFamily="2" charset="2"/>
               </a:rPr>
-              <a:t> iOS communication</a:t>
-            </a:r>
-          </a:p>
-          <a:p>
+              <a:t>1) </a:t>
+            </a:r>
             <a:r>
               <a:rPr lang="en-US" baseline="0" dirty="0" smtClean="0">
                 <a:sym typeface="Wingdings" panose="05000000000000000000" pitchFamily="2" charset="2"/>
               </a:rPr>
-              <a:t>2) We will have a standard HTTP REST API to which our iOS client app can make requests</a:t>
+              <a:t>We will have a standard HTTP REST API to which our iOS client app can make requests</a:t>
             </a:r>
           </a:p>
           <a:p>
@@ -564,8 +553,39 @@
               <a:rPr lang="en-US" baseline="0" dirty="0" smtClean="0">
                 <a:sym typeface="Wingdings" panose="05000000000000000000" pitchFamily="2" charset="2"/>
               </a:rPr>
-              <a:t>3) Developers will be able to perform all actions aside from initially creating their account from our REST API</a:t>
-            </a:r>
+              <a:t>2) </a:t>
+            </a:r>
+            <a:r>
+              <a:rPr lang="en-US" baseline="0" dirty="0" smtClean="0">
+                <a:sym typeface="Wingdings" panose="05000000000000000000" pitchFamily="2" charset="2"/>
+              </a:rPr>
+              <a:t>Developers will be able to perform all actions aside from initially creating their account from our REST </a:t>
+            </a:r>
+            <a:r>
+              <a:rPr lang="en-US" baseline="0" dirty="0" smtClean="0">
+                <a:sym typeface="Wingdings" panose="05000000000000000000" pitchFamily="2" charset="2"/>
+              </a:rPr>
+              <a:t>API</a:t>
+            </a:r>
+          </a:p>
+          <a:p>
+            <a:r>
+              <a:rPr lang="en-US" baseline="0" dirty="0" smtClean="0">
+                <a:sym typeface="Wingdings" panose="05000000000000000000" pitchFamily="2" charset="2"/>
+              </a:rPr>
+              <a:t>COMPLEX ALGORITHM:</a:t>
+            </a:r>
+          </a:p>
+          <a:p>
+            <a:r>
+              <a:rPr lang="en-US" baseline="0" dirty="0" smtClean="0">
+                <a:sym typeface="Wingdings" panose="05000000000000000000" pitchFamily="2" charset="2"/>
+              </a:rPr>
+              <a:t>1) Calculate distances from notifications  User’s location if they have a radius turned on</a:t>
+            </a:r>
+            <a:endParaRPr lang="en-US" baseline="0" dirty="0" smtClean="0">
+              <a:sym typeface="Wingdings" panose="05000000000000000000" pitchFamily="2" charset="2"/>
+            </a:endParaRPr>
           </a:p>
         </p:txBody>
       </p:sp>
@@ -596,6 +616,214 @@
     <p:extLst>
       <p:ext uri="{BB962C8B-B14F-4D97-AF65-F5344CB8AC3E}">
         <p14:creationId xmlns:p14="http://schemas.microsoft.com/office/powerpoint/2010/main" val="274660361"/>
+      </p:ext>
+    </p:extLst>
+  </p:cSld>
+  <p:clrMapOvr>
+    <a:masterClrMapping/>
+  </p:clrMapOvr>
+</p:notes>
+</file>
+
+<file path=ppt/notesSlides/notesSlide2.xml><?xml version="1.0" encoding="utf-8"?>
+<p:notes xmlns:a="http://schemas.openxmlformats.org/drawingml/2006/main" xmlns:r="http://schemas.openxmlformats.org/officeDocument/2006/relationships" xmlns:p="http://schemas.openxmlformats.org/presentationml/2006/main">
+  <p:cSld>
+    <p:spTree>
+      <p:nvGrpSpPr>
+        <p:cNvPr id="1" name=""/>
+        <p:cNvGrpSpPr/>
+        <p:nvPr/>
+      </p:nvGrpSpPr>
+      <p:grpSpPr>
+        <a:xfrm>
+          <a:off x="0" y="0"/>
+          <a:ext cx="0" cy="0"/>
+          <a:chOff x="0" y="0"/>
+          <a:chExt cx="0" cy="0"/>
+        </a:xfrm>
+      </p:grpSpPr>
+      <p:sp>
+        <p:nvSpPr>
+          <p:cNvPr id="2" name="Slide Image Placeholder 1"/>
+          <p:cNvSpPr>
+            <a:spLocks noGrp="1" noRot="1" noChangeAspect="1"/>
+          </p:cNvSpPr>
+          <p:nvPr>
+            <p:ph type="sldImg"/>
+          </p:nvPr>
+        </p:nvSpPr>
+        <p:spPr/>
+      </p:sp>
+      <p:sp>
+        <p:nvSpPr>
+          <p:cNvPr id="3" name="Notes Placeholder 2"/>
+          <p:cNvSpPr>
+            <a:spLocks noGrp="1"/>
+          </p:cNvSpPr>
+          <p:nvPr>
+            <p:ph type="body" idx="1"/>
+          </p:nvPr>
+        </p:nvSpPr>
+        <p:spPr/>
+        <p:txBody>
+          <a:bodyPr/>
+          <a:lstStyle/>
+          <a:p>
+            <a:pPr marL="228600" indent="-228600">
+              <a:buAutoNum type="arabicParenR"/>
+            </a:pPr>
+            <a:r>
+              <a:rPr lang="en-US" dirty="0" smtClean="0"/>
+              <a:t>Sponsor notifications</a:t>
+            </a:r>
+          </a:p>
+          <a:p>
+            <a:pPr marL="228600" indent="-228600">
+              <a:buAutoNum type="arabicParenR"/>
+            </a:pPr>
+            <a:r>
+              <a:rPr lang="en-US" dirty="0" smtClean="0"/>
+              <a:t>Extended geographical features</a:t>
+            </a:r>
+          </a:p>
+          <a:p>
+            <a:pPr marL="228600" indent="-228600">
+              <a:buAutoNum type="arabicParenR"/>
+            </a:pPr>
+            <a:r>
+              <a:rPr lang="en-US" dirty="0" smtClean="0"/>
+              <a:t>Customization of notification</a:t>
+            </a:r>
+            <a:r>
+              <a:rPr lang="en-US" baseline="0" dirty="0" smtClean="0"/>
+              <a:t> action buttons</a:t>
+            </a:r>
+          </a:p>
+          <a:p>
+            <a:pPr marL="228600" indent="-228600">
+              <a:buAutoNum type="arabicParenR"/>
+            </a:pPr>
+            <a:r>
+              <a:rPr lang="en-US" baseline="0" dirty="0" smtClean="0"/>
+              <a:t>Statistic collection for Developers</a:t>
+            </a:r>
+            <a:endParaRPr lang="en-US" dirty="0"/>
+          </a:p>
+        </p:txBody>
+      </p:sp>
+      <p:sp>
+        <p:nvSpPr>
+          <p:cNvPr id="4" name="Slide Number Placeholder 3"/>
+          <p:cNvSpPr>
+            <a:spLocks noGrp="1"/>
+          </p:cNvSpPr>
+          <p:nvPr>
+            <p:ph type="sldNum" sz="quarter" idx="10"/>
+          </p:nvPr>
+        </p:nvSpPr>
+        <p:spPr/>
+        <p:txBody>
+          <a:bodyPr/>
+          <a:lstStyle/>
+          <a:p>
+            <a:fld id="{A7525AEA-5A0F-4349-A1BB-4ADCD4F65939}" type="slidenum">
+              <a:rPr lang="en-US" smtClean="0"/>
+              <a:t>9</a:t>
+            </a:fld>
+            <a:endParaRPr lang="en-US"/>
+          </a:p>
+        </p:txBody>
+      </p:sp>
+    </p:spTree>
+    <p:extLst>
+      <p:ext uri="{BB962C8B-B14F-4D97-AF65-F5344CB8AC3E}">
+        <p14:creationId xmlns:p14="http://schemas.microsoft.com/office/powerpoint/2010/main" val="2218740951"/>
+      </p:ext>
+    </p:extLst>
+  </p:cSld>
+  <p:clrMapOvr>
+    <a:masterClrMapping/>
+  </p:clrMapOvr>
+</p:notes>
+</file>
+
+<file path=ppt/notesSlides/notesSlide3.xml><?xml version="1.0" encoding="utf-8"?>
+<p:notes xmlns:a="http://schemas.openxmlformats.org/drawingml/2006/main" xmlns:r="http://schemas.openxmlformats.org/officeDocument/2006/relationships" xmlns:p="http://schemas.openxmlformats.org/presentationml/2006/main">
+  <p:cSld>
+    <p:spTree>
+      <p:nvGrpSpPr>
+        <p:cNvPr id="1" name=""/>
+        <p:cNvGrpSpPr/>
+        <p:nvPr/>
+      </p:nvGrpSpPr>
+      <p:grpSpPr>
+        <a:xfrm>
+          <a:off x="0" y="0"/>
+          <a:ext cx="0" cy="0"/>
+          <a:chOff x="0" y="0"/>
+          <a:chExt cx="0" cy="0"/>
+        </a:xfrm>
+      </p:grpSpPr>
+      <p:sp>
+        <p:nvSpPr>
+          <p:cNvPr id="2" name="Slide Image Placeholder 1"/>
+          <p:cNvSpPr>
+            <a:spLocks noGrp="1" noRot="1" noChangeAspect="1"/>
+          </p:cNvSpPr>
+          <p:nvPr>
+            <p:ph type="sldImg"/>
+          </p:nvPr>
+        </p:nvSpPr>
+        <p:spPr/>
+      </p:sp>
+      <p:sp>
+        <p:nvSpPr>
+          <p:cNvPr id="3" name="Notes Placeholder 2"/>
+          <p:cNvSpPr>
+            <a:spLocks noGrp="1"/>
+          </p:cNvSpPr>
+          <p:nvPr>
+            <p:ph type="body" idx="1"/>
+          </p:nvPr>
+        </p:nvSpPr>
+        <p:spPr/>
+        <p:txBody>
+          <a:bodyPr/>
+          <a:lstStyle/>
+          <a:p>
+            <a:endParaRPr lang="en-US" baseline="0" dirty="0" smtClean="0">
+              <a:sym typeface="Wingdings" panose="05000000000000000000" pitchFamily="2" charset="2"/>
+            </a:endParaRPr>
+          </a:p>
+        </p:txBody>
+      </p:sp>
+      <p:sp>
+        <p:nvSpPr>
+          <p:cNvPr id="4" name="Slide Number Placeholder 3"/>
+          <p:cNvSpPr>
+            <a:spLocks noGrp="1"/>
+          </p:cNvSpPr>
+          <p:nvPr>
+            <p:ph type="sldNum" sz="quarter" idx="10"/>
+          </p:nvPr>
+        </p:nvSpPr>
+        <p:spPr/>
+        <p:txBody>
+          <a:bodyPr/>
+          <a:lstStyle/>
+          <a:p>
+            <a:fld id="{A7525AEA-5A0F-4349-A1BB-4ADCD4F65939}" type="slidenum">
+              <a:rPr lang="en-US" smtClean="0"/>
+              <a:t>10</a:t>
+            </a:fld>
+            <a:endParaRPr lang="en-US"/>
+          </a:p>
+        </p:txBody>
+      </p:sp>
+    </p:spTree>
+    <p:extLst>
+      <p:ext uri="{BB962C8B-B14F-4D97-AF65-F5344CB8AC3E}">
+        <p14:creationId xmlns:p14="http://schemas.microsoft.com/office/powerpoint/2010/main" val="2109230367"/>
       </p:ext>
     </p:extLst>
   </p:cSld>
@@ -3729,6 +3957,104 @@
     <p:extLst>
       <p:ext uri="{BB962C8B-B14F-4D97-AF65-F5344CB8AC3E}">
         <p14:creationId xmlns:p14="http://schemas.microsoft.com/office/powerpoint/2010/main" val="2661712497"/>
+      </p:ext>
+    </p:extLst>
+  </p:cSld>
+  <p:clrMapOvr>
+    <a:masterClrMapping/>
+  </p:clrMapOvr>
+  <p:timing>
+    <p:tnLst>
+      <p:par>
+        <p:cTn id="1" dur="indefinite" restart="never" nodeType="tmRoot"/>
+      </p:par>
+    </p:tnLst>
+  </p:timing>
+</p:sld>
+</file>
+
+<file path=ppt/slides/slide10.xml><?xml version="1.0" encoding="utf-8"?>
+<p:sld xmlns:a="http://schemas.openxmlformats.org/drawingml/2006/main" xmlns:r="http://schemas.openxmlformats.org/officeDocument/2006/relationships" xmlns:p="http://schemas.openxmlformats.org/presentationml/2006/main">
+  <p:cSld>
+    <p:spTree>
+      <p:nvGrpSpPr>
+        <p:cNvPr id="1" name=""/>
+        <p:cNvGrpSpPr/>
+        <p:nvPr/>
+      </p:nvGrpSpPr>
+      <p:grpSpPr>
+        <a:xfrm>
+          <a:off x="0" y="0"/>
+          <a:ext cx="0" cy="0"/>
+          <a:chOff x="0" y="0"/>
+          <a:chExt cx="0" cy="0"/>
+        </a:xfrm>
+      </p:grpSpPr>
+      <p:sp>
+        <p:nvSpPr>
+          <p:cNvPr id="4" name="TextBox 3"/>
+          <p:cNvSpPr txBox="1"/>
+          <p:nvPr/>
+        </p:nvSpPr>
+        <p:spPr>
+          <a:xfrm>
+            <a:off x="2921000" y="3273778"/>
+            <a:ext cx="184666" cy="369332"/>
+          </a:xfrm>
+          <a:prstGeom prst="rect">
+            <a:avLst/>
+          </a:prstGeom>
+          <a:noFill/>
+        </p:spPr>
+        <p:txBody>
+          <a:bodyPr wrap="none" rtlCol="0">
+            <a:spAutoFit/>
+          </a:bodyPr>
+          <a:lstStyle/>
+          <a:p>
+            <a:endParaRPr lang="en-US" dirty="0"/>
+          </a:p>
+        </p:txBody>
+      </p:sp>
+      <p:sp>
+        <p:nvSpPr>
+          <p:cNvPr id="5" name="TextBox 4"/>
+          <p:cNvSpPr txBox="1"/>
+          <p:nvPr/>
+        </p:nvSpPr>
+        <p:spPr>
+          <a:xfrm>
+            <a:off x="2859031" y="2967335"/>
+            <a:ext cx="3425938" cy="923330"/>
+          </a:xfrm>
+          <a:prstGeom prst="rect">
+            <a:avLst/>
+          </a:prstGeom>
+          <a:noFill/>
+        </p:spPr>
+        <p:txBody>
+          <a:bodyPr wrap="none" rtlCol="0">
+            <a:spAutoFit/>
+          </a:bodyPr>
+          <a:lstStyle/>
+          <a:p>
+            <a:pPr algn="ctr"/>
+            <a:r>
+              <a:rPr lang="en-US" sz="5400" dirty="0" smtClean="0">
+                <a:latin typeface="Cambria" panose="02040503050406030204" pitchFamily="18" charset="0"/>
+              </a:rPr>
+              <a:t>Questions?</a:t>
+            </a:r>
+            <a:endParaRPr lang="en-US" sz="5400" dirty="0">
+              <a:latin typeface="Cambria" panose="02040503050406030204" pitchFamily="18" charset="0"/>
+            </a:endParaRPr>
+          </a:p>
+        </p:txBody>
+      </p:sp>
+    </p:spTree>
+    <p:extLst>
+      <p:ext uri="{BB962C8B-B14F-4D97-AF65-F5344CB8AC3E}">
+        <p14:creationId xmlns:p14="http://schemas.microsoft.com/office/powerpoint/2010/main" val="2429984708"/>
       </p:ext>
     </p:extLst>
   </p:cSld>
@@ -4670,6 +4996,13 @@
   <p:clrMapOvr>
     <a:masterClrMapping/>
   </p:clrMapOvr>
+  <p:timing>
+    <p:tnLst>
+      <p:par>
+        <p:cTn id="1" dur="indefinite" restart="never" nodeType="tmRoot"/>
+      </p:par>
+    </p:tnLst>
+  </p:timing>
 </p:sld>
 </file>
 
@@ -4728,7 +5061,7 @@
           <p:nvPr/>
         </p:nvPicPr>
         <p:blipFill>
-          <a:blip r:embed="rId2">
+          <a:blip r:embed="rId3">
             <a:extLst>
               <a:ext uri="{28A0092B-C50C-407E-A947-70E740481C1C}">
                 <a14:useLocalDpi xmlns:a14="http://schemas.microsoft.com/office/drawing/2010/main" val="0"/>
@@ -4758,7 +5091,7 @@
           <p:nvPr/>
         </p:nvPicPr>
         <p:blipFill>
-          <a:blip r:embed="rId3">
+          <a:blip r:embed="rId4">
             <a:extLst>
               <a:ext uri="{28A0092B-C50C-407E-A947-70E740481C1C}">
                 <a14:useLocalDpi xmlns:a14="http://schemas.microsoft.com/office/drawing/2010/main" val="0"/>
@@ -4788,7 +5121,7 @@
           <p:nvPr/>
         </p:nvPicPr>
         <p:blipFill>
-          <a:blip r:embed="rId4">
+          <a:blip r:embed="rId5">
             <a:extLst>
               <a:ext uri="{28A0092B-C50C-407E-A947-70E740481C1C}">
                 <a14:useLocalDpi xmlns:a14="http://schemas.microsoft.com/office/drawing/2010/main" val="0"/>
@@ -4994,6 +5327,13 @@
   <p:clrMapOvr>
     <a:masterClrMapping/>
   </p:clrMapOvr>
+  <p:timing>
+    <p:tnLst>
+      <p:par>
+        <p:cTn id="1" dur="indefinite" restart="never" nodeType="tmRoot"/>
+      </p:par>
+    </p:tnLst>
+  </p:timing>
 </p:sld>
 </file>
 
